--- a/android/activity/fragment/doc/slides.pptx
+++ b/android/activity/fragment/doc/slides.pptx
@@ -113,6 +113,11 @@
       </a:defRPr>
     </a:lvl9pPr>
   </p:defaultTextStyle>
+  <p:extLst>
+    <p:ext uri="{EFAFB233-063F-42B5-8137-9DF3F51BA10A}">
+      <p15:sldGuideLst xmlns:p15="http://schemas.microsoft.com/office/powerpoint/2012/main"/>
+    </p:ext>
+  </p:extLst>
 </p:presentation>
 </file>
 
@@ -198,7 +203,7 @@
           <a:p>
             <a:fld id="{BF435CD1-8EE2-4FD1-90A7-F424A266772A}" type="datetimeFigureOut">
               <a:rPr lang="en-US" smtClean="0"/>
-              <a:t>7/30/2015</a:t>
+              <a:t>8/6/2015</a:t>
             </a:fld>
             <a:endParaRPr lang="en-US"/>
           </a:p>
@@ -4369,9 +4374,108 @@
           <a:chExt cx="0" cy="0"/>
         </a:xfrm>
       </p:grpSpPr>
+      <p:sp>
+        <p:nvSpPr>
+          <p:cNvPr id="5" name="Date Placeholder 4"/>
+          <p:cNvSpPr>
+            <a:spLocks noGrp="1"/>
+          </p:cNvSpPr>
+          <p:nvPr>
+            <p:ph type="dt" sz="half" idx="10"/>
+          </p:nvPr>
+        </p:nvSpPr>
+        <p:spPr/>
+        <p:txBody>
+          <a:bodyPr/>
+          <a:lstStyle/>
+          <a:p>
+            <a:r>
+              <a:rPr lang="en-US" smtClean="0"/>
+              <a:t>tutorial/android/activity/fragments</a:t>
+            </a:r>
+            <a:endParaRPr lang="en-US"/>
+          </a:p>
+        </p:txBody>
+      </p:sp>
+      <p:sp>
+        <p:nvSpPr>
+          <p:cNvPr id="6" name="Footer Placeholder 5"/>
+          <p:cNvSpPr>
+            <a:spLocks noGrp="1"/>
+          </p:cNvSpPr>
+          <p:nvPr>
+            <p:ph type="ftr" sz="quarter" idx="11"/>
+          </p:nvPr>
+        </p:nvSpPr>
+        <p:spPr/>
+        <p:txBody>
+          <a:bodyPr/>
+          <a:lstStyle/>
+          <a:p>
+            <a:r>
+              <a:rPr lang="en-US" smtClean="0"/>
+              <a:t>/  7</a:t>
+            </a:r>
+            <a:endParaRPr lang="en-US"/>
+          </a:p>
+        </p:txBody>
+      </p:sp>
+      <p:sp>
+        <p:nvSpPr>
+          <p:cNvPr id="7" name="Slide Number Placeholder 6"/>
+          <p:cNvSpPr>
+            <a:spLocks noGrp="1"/>
+          </p:cNvSpPr>
+          <p:nvPr>
+            <p:ph type="sldNum" sz="quarter" idx="12"/>
+          </p:nvPr>
+        </p:nvSpPr>
+        <p:spPr/>
+        <p:txBody>
+          <a:bodyPr/>
+          <a:lstStyle/>
+          <a:p>
+            <a:fld id="{6E9A781A-6EE9-4A12-88AB-A76B9FFA08C5}" type="slidenum">
+              <a:rPr lang="en-US" smtClean="0"/>
+              <a:t>4</a:t>
+            </a:fld>
+            <a:endParaRPr lang="en-US"/>
+          </a:p>
+        </p:txBody>
+      </p:sp>
+      <p:sp>
+        <p:nvSpPr>
+          <p:cNvPr id="10" name="TextBox 9"/>
+          <p:cNvSpPr txBox="1"/>
+          <p:nvPr/>
+        </p:nvSpPr>
+        <p:spPr>
+          <a:xfrm>
+            <a:off x="1384663" y="148046"/>
+            <a:ext cx="8995954" cy="923330"/>
+          </a:xfrm>
+          <a:prstGeom prst="rect">
+            <a:avLst/>
+          </a:prstGeom>
+          <a:noFill/>
+        </p:spPr>
+        <p:txBody>
+          <a:bodyPr wrap="square" rtlCol="0">
+            <a:spAutoFit/>
+          </a:bodyPr>
+          <a:lstStyle/>
+          <a:p>
+            <a:r>
+              <a:rPr lang="en-US" dirty="0" smtClean="0"/>
+              <a:t>When Plum is clicked, the DetailFragment covers the FruitListFragment. This happens because the DetailActivity is called via an intent and the DetailFragment is attached to DetailActivity. Only happens in Portrait mode for this application.</a:t>
+            </a:r>
+            <a:endParaRPr lang="en-US" dirty="0"/>
+          </a:p>
+        </p:txBody>
+      </p:sp>
       <p:pic>
         <p:nvPicPr>
-          <p:cNvPr id="4" name="Picture 3"/>
+          <p:cNvPr id="2" name="Picture 1"/>
           <p:cNvPicPr>
             <a:picLocks noChangeAspect="1"/>
           </p:cNvPicPr>
@@ -4391,8 +4495,8 @@
         </p:blipFill>
         <p:spPr>
           <a:xfrm>
-            <a:off x="1545907" y="1071376"/>
-            <a:ext cx="3857625" cy="5106798"/>
+            <a:off x="2200955" y="1056980"/>
+            <a:ext cx="3000376" cy="5334000"/>
           </a:xfrm>
           <a:prstGeom prst="rect">
             <a:avLst/>
@@ -4413,78 +4517,9 @@
           </a:fontRef>
         </p:style>
       </p:pic>
-      <p:sp>
-        <p:nvSpPr>
-          <p:cNvPr id="5" name="Date Placeholder 4"/>
-          <p:cNvSpPr>
-            <a:spLocks noGrp="1"/>
-          </p:cNvSpPr>
-          <p:nvPr>
-            <p:ph type="dt" sz="half" idx="10"/>
-          </p:nvPr>
-        </p:nvSpPr>
-        <p:spPr/>
-        <p:txBody>
-          <a:bodyPr/>
-          <a:lstStyle/>
-          <a:p>
-            <a:r>
-              <a:rPr lang="en-US" smtClean="0"/>
-              <a:t>tutorial/android/activity/fragments</a:t>
-            </a:r>
-            <a:endParaRPr lang="en-US"/>
-          </a:p>
-        </p:txBody>
-      </p:sp>
-      <p:sp>
-        <p:nvSpPr>
-          <p:cNvPr id="6" name="Footer Placeholder 5"/>
-          <p:cNvSpPr>
-            <a:spLocks noGrp="1"/>
-          </p:cNvSpPr>
-          <p:nvPr>
-            <p:ph type="ftr" sz="quarter" idx="11"/>
-          </p:nvPr>
-        </p:nvSpPr>
-        <p:spPr/>
-        <p:txBody>
-          <a:bodyPr/>
-          <a:lstStyle/>
-          <a:p>
-            <a:r>
-              <a:rPr lang="en-US" smtClean="0"/>
-              <a:t>/  7</a:t>
-            </a:r>
-            <a:endParaRPr lang="en-US"/>
-          </a:p>
-        </p:txBody>
-      </p:sp>
-      <p:sp>
-        <p:nvSpPr>
-          <p:cNvPr id="7" name="Slide Number Placeholder 6"/>
-          <p:cNvSpPr>
-            <a:spLocks noGrp="1"/>
-          </p:cNvSpPr>
-          <p:nvPr>
-            <p:ph type="sldNum" sz="quarter" idx="12"/>
-          </p:nvPr>
-        </p:nvSpPr>
-        <p:spPr/>
-        <p:txBody>
-          <a:bodyPr/>
-          <a:lstStyle/>
-          <a:p>
-            <a:fld id="{6E9A781A-6EE9-4A12-88AB-A76B9FFA08C5}" type="slidenum">
-              <a:rPr lang="en-US" smtClean="0"/>
-              <a:t>4</a:t>
-            </a:fld>
-            <a:endParaRPr lang="en-US"/>
-          </a:p>
-        </p:txBody>
-      </p:sp>
       <p:pic>
         <p:nvPicPr>
-          <p:cNvPr id="8" name="Picture 7"/>
+          <p:cNvPr id="3" name="Picture 2"/>
           <p:cNvPicPr>
             <a:picLocks noChangeAspect="1"/>
           </p:cNvPicPr>
@@ -4504,8 +4539,8 @@
         </p:blipFill>
         <p:spPr>
           <a:xfrm>
-            <a:off x="6043757" y="1071376"/>
-            <a:ext cx="3857625" cy="5106798"/>
+            <a:off x="5666971" y="1071376"/>
+            <a:ext cx="3001270" cy="5335588"/>
           </a:xfrm>
           <a:prstGeom prst="rect">
             <a:avLst/>
@@ -4526,36 +4561,6 @@
           </a:fontRef>
         </p:style>
       </p:pic>
-      <p:sp>
-        <p:nvSpPr>
-          <p:cNvPr id="10" name="TextBox 9"/>
-          <p:cNvSpPr txBox="1"/>
-          <p:nvPr/>
-        </p:nvSpPr>
-        <p:spPr>
-          <a:xfrm>
-            <a:off x="1384663" y="148046"/>
-            <a:ext cx="8995954" cy="923330"/>
-          </a:xfrm>
-          <a:prstGeom prst="rect">
-            <a:avLst/>
-          </a:prstGeom>
-          <a:noFill/>
-        </p:spPr>
-        <p:txBody>
-          <a:bodyPr wrap="square" rtlCol="0">
-            <a:spAutoFit/>
-          </a:bodyPr>
-          <a:lstStyle/>
-          <a:p>
-            <a:r>
-              <a:rPr lang="en-US" dirty="0" smtClean="0"/>
-              <a:t>When Plum is clicked, the DetailFragment covers the FruitListFragment. This happens because the DetailActivity is called via an intent and the DetailFragment is attached to DetailActivity. Only happens in Portrait mode for this application.</a:t>
-            </a:r>
-            <a:endParaRPr lang="en-US" dirty="0"/>
-          </a:p>
-        </p:txBody>
-      </p:sp>
     </p:spTree>
     <p:extLst>
       <p:ext uri="{BB962C8B-B14F-4D97-AF65-F5344CB8AC3E}">
@@ -4655,16 +4660,46 @@
           </a:p>
         </p:txBody>
       </p:sp>
+      <p:sp>
+        <p:nvSpPr>
+          <p:cNvPr id="10" name="TextBox 9"/>
+          <p:cNvSpPr txBox="1"/>
+          <p:nvPr/>
+        </p:nvSpPr>
+        <p:spPr>
+          <a:xfrm>
+            <a:off x="7307020" y="1584960"/>
+            <a:ext cx="2969623" cy="2862322"/>
+          </a:xfrm>
+          <a:prstGeom prst="rect">
+            <a:avLst/>
+          </a:prstGeom>
+          <a:noFill/>
+        </p:spPr>
+        <p:txBody>
+          <a:bodyPr wrap="square" rtlCol="0">
+            <a:spAutoFit/>
+          </a:bodyPr>
+          <a:lstStyle/>
+          <a:p>
+            <a:r>
+              <a:rPr lang="en-US" dirty="0" smtClean="0"/>
+              <a:t>In landscape mode, the application will lay Fragments side-by-side(other configurations are possible) . When Orange is clicked AND the Application detects it’s in Landscape mode, the application will show FragmentDetail on the right side of FruitListFragment.</a:t>
+            </a:r>
+            <a:endParaRPr lang="en-US" dirty="0"/>
+          </a:p>
+        </p:txBody>
+      </p:sp>
       <p:pic>
         <p:nvPicPr>
-          <p:cNvPr id="8" name="Picture 7"/>
+          <p:cNvPr id="2" name="Picture 1"/>
           <p:cNvPicPr>
             <a:picLocks noChangeAspect="1"/>
           </p:cNvPicPr>
           <p:nvPr/>
         </p:nvPicPr>
         <p:blipFill>
-          <a:blip r:embed="rId2">
+          <a:blip r:embed="rId2" cstate="print">
             <a:extLst>
               <a:ext uri="{28A0092B-C50C-407E-A947-70E740481C1C}">
                 <a14:useLocalDpi xmlns:a14="http://schemas.microsoft.com/office/drawing/2010/main" val="0"/>
@@ -4677,24 +4712,38 @@
         </p:blipFill>
         <p:spPr>
           <a:xfrm>
-            <a:off x="644434" y="365126"/>
-            <a:ext cx="8046720" cy="2482578"/>
+            <a:off x="1147595" y="182562"/>
+            <a:ext cx="5612192" cy="3156858"/>
           </a:xfrm>
           <a:prstGeom prst="rect">
             <a:avLst/>
           </a:prstGeom>
         </p:spPr>
+        <p:style>
+          <a:lnRef idx="2">
+            <a:schemeClr val="dk1"/>
+          </a:lnRef>
+          <a:fillRef idx="1">
+            <a:schemeClr val="lt1"/>
+          </a:fillRef>
+          <a:effectRef idx="0">
+            <a:schemeClr val="dk1"/>
+          </a:effectRef>
+          <a:fontRef idx="minor">
+            <a:schemeClr val="dk1"/>
+          </a:fontRef>
+        </p:style>
       </p:pic>
       <p:pic>
         <p:nvPicPr>
-          <p:cNvPr id="9" name="Picture 8"/>
+          <p:cNvPr id="3" name="Picture 2"/>
           <p:cNvPicPr>
             <a:picLocks noChangeAspect="1"/>
           </p:cNvPicPr>
           <p:nvPr/>
         </p:nvPicPr>
         <p:blipFill>
-          <a:blip r:embed="rId3">
+          <a:blip r:embed="rId3" cstate="print">
             <a:extLst>
               <a:ext uri="{28A0092B-C50C-407E-A947-70E740481C1C}">
                 <a14:useLocalDpi xmlns:a14="http://schemas.microsoft.com/office/drawing/2010/main" val="0"/>
@@ -4707,44 +4756,28 @@
         </p:blipFill>
         <p:spPr>
           <a:xfrm>
-            <a:off x="644434" y="3230245"/>
-            <a:ext cx="8046720" cy="2482579"/>
+            <a:off x="1147595" y="3416684"/>
+            <a:ext cx="5612192" cy="3156858"/>
           </a:xfrm>
           <a:prstGeom prst="rect">
             <a:avLst/>
           </a:prstGeom>
         </p:spPr>
+        <p:style>
+          <a:lnRef idx="2">
+            <a:schemeClr val="dk1"/>
+          </a:lnRef>
+          <a:fillRef idx="1">
+            <a:schemeClr val="lt1"/>
+          </a:fillRef>
+          <a:effectRef idx="0">
+            <a:schemeClr val="dk1"/>
+          </a:effectRef>
+          <a:fontRef idx="minor">
+            <a:schemeClr val="dk1"/>
+          </a:fontRef>
+        </p:style>
       </p:pic>
-      <p:sp>
-        <p:nvSpPr>
-          <p:cNvPr id="10" name="TextBox 9"/>
-          <p:cNvSpPr txBox="1"/>
-          <p:nvPr/>
-        </p:nvSpPr>
-        <p:spPr>
-          <a:xfrm>
-            <a:off x="8752114" y="722811"/>
-            <a:ext cx="2969623" cy="2862322"/>
-          </a:xfrm>
-          <a:prstGeom prst="rect">
-            <a:avLst/>
-          </a:prstGeom>
-          <a:noFill/>
-        </p:spPr>
-        <p:txBody>
-          <a:bodyPr wrap="square" rtlCol="0">
-            <a:spAutoFit/>
-          </a:bodyPr>
-          <a:lstStyle/>
-          <a:p>
-            <a:r>
-              <a:rPr lang="en-US" dirty="0" smtClean="0"/>
-              <a:t>In landscape mode, the application will lay Fragments side-by-side(other configurations are possible) . When Orange is clicked AND the Application detects it’s in Landscape mode, the application will show FragmentDetail on the right side of FruitListFragment.</a:t>
-            </a:r>
-            <a:endParaRPr lang="en-US" dirty="0"/>
-          </a:p>
-        </p:txBody>
-      </p:sp>
     </p:spTree>
     <p:extLst>
       <p:ext uri="{BB962C8B-B14F-4D97-AF65-F5344CB8AC3E}">
